--- a/Belegaufgabe/Präsentation/Präsentation.pptx
+++ b/Belegaufgabe/Präsentation/Präsentation.pptx
@@ -6,7 +6,7 @@
     <p:sldMasterId id="2147483704" r:id="rId2"/>
   </p:sldMasterIdLst>
   <p:notesMasterIdLst>
-    <p:notesMasterId r:id="rId9"/>
+    <p:notesMasterId r:id="rId10"/>
   </p:notesMasterIdLst>
   <p:sldIdLst>
     <p:sldId id="256" r:id="rId3"/>
@@ -14,7 +14,8 @@
     <p:sldId id="306" r:id="rId5"/>
     <p:sldId id="308" r:id="rId6"/>
     <p:sldId id="309" r:id="rId7"/>
-    <p:sldId id="287" r:id="rId8"/>
+    <p:sldId id="310" r:id="rId8"/>
+    <p:sldId id="287" r:id="rId9"/>
   </p:sldIdLst>
   <p:sldSz cx="12192000" cy="6858000"/>
   <p:notesSz cx="7010400" cy="9296400"/>
@@ -16556,6 +16557,359 @@
 </file>
 
 <file path=ppt/slides/slide6.xml><?xml version="1.0" encoding="utf-8"?>
+<p:sld xmlns:a="http://schemas.openxmlformats.org/drawingml/2006/main" xmlns:r="http://schemas.openxmlformats.org/officeDocument/2006/relationships" xmlns:p="http://schemas.openxmlformats.org/presentationml/2006/main">
+  <p:cSld>
+    <p:spTree>
+      <p:nvGrpSpPr>
+        <p:cNvPr id="1" name=""/>
+        <p:cNvGrpSpPr/>
+        <p:nvPr/>
+      </p:nvGrpSpPr>
+      <p:grpSpPr>
+        <a:xfrm>
+          <a:off x="0" y="0"/>
+          <a:ext cx="0" cy="0"/>
+          <a:chOff x="0" y="0"/>
+          <a:chExt cx="0" cy="0"/>
+        </a:xfrm>
+      </p:grpSpPr>
+      <p:sp>
+        <p:nvSpPr>
+          <p:cNvPr id="3" name="Titel 2"/>
+          <p:cNvSpPr>
+            <a:spLocks noGrp="1"/>
+          </p:cNvSpPr>
+          <p:nvPr>
+            <p:ph type="title"/>
+          </p:nvPr>
+        </p:nvSpPr>
+        <p:spPr/>
+        <p:txBody>
+          <a:bodyPr/>
+          <a:lstStyle/>
+          <a:p>
+            <a:r>
+              <a:rPr lang="de-DE" dirty="0" smtClean="0"/>
+              <a:t>Rechenzeiten</a:t>
+            </a:r>
+            <a:endParaRPr lang="de-DE" dirty="0"/>
+          </a:p>
+        </p:txBody>
+      </p:sp>
+      <p:graphicFrame>
+        <p:nvGraphicFramePr>
+          <p:cNvPr id="4" name="Tabelle 3"/>
+          <p:cNvGraphicFramePr>
+            <a:graphicFrameLocks noGrp="1"/>
+          </p:cNvGraphicFramePr>
+          <p:nvPr>
+            <p:extLst>
+              <p:ext uri="{D42A27DB-BD31-4B8C-83A1-F6EECF244321}">
+                <p14:modId xmlns:p14="http://schemas.microsoft.com/office/powerpoint/2010/main" val="365437646"/>
+              </p:ext>
+            </p:extLst>
+          </p:nvPr>
+        </p:nvGraphicFramePr>
+        <p:xfrm>
+          <a:off x="760224" y="1217506"/>
+          <a:ext cx="10982536" cy="1483360"/>
+        </p:xfrm>
+        <a:graphic>
+          <a:graphicData uri="http://schemas.openxmlformats.org/drawingml/2006/table">
+            <a:tbl>
+              <a:tblPr firstRow="1" bandRow="1">
+                <a:tableStyleId>{5C22544A-7EE6-4342-B048-85BDC9FD1C3A}</a:tableStyleId>
+              </a:tblPr>
+              <a:tblGrid>
+                <a:gridCol w="5491268">
+                  <a:extLst>
+                    <a:ext uri="{9D8B030D-6E8A-4147-A177-3AD203B41FA5}">
+                      <a16:colId xmlns:a16="http://schemas.microsoft.com/office/drawing/2014/main" val="195106501"/>
+                    </a:ext>
+                  </a:extLst>
+                </a:gridCol>
+                <a:gridCol w="5491268">
+                  <a:extLst>
+                    <a:ext uri="{9D8B030D-6E8A-4147-A177-3AD203B41FA5}">
+                      <a16:colId xmlns:a16="http://schemas.microsoft.com/office/drawing/2014/main" val="3885591577"/>
+                    </a:ext>
+                  </a:extLst>
+                </a:gridCol>
+              </a:tblGrid>
+              <a:tr h="370840">
+                <a:tc>
+                  <a:txBody>
+                    <a:bodyPr/>
+                    <a:lstStyle/>
+                    <a:p>
+                      <a:r>
+                        <a:rPr lang="de-DE" dirty="0" smtClean="0"/>
+                        <a:t>Aufgabe</a:t>
+                      </a:r>
+                      <a:endParaRPr lang="de-DE" dirty="0"/>
+                    </a:p>
+                  </a:txBody>
+                  <a:tcPr/>
+                </a:tc>
+                <a:tc>
+                  <a:txBody>
+                    <a:bodyPr/>
+                    <a:lstStyle/>
+                    <a:p>
+                      <a:r>
+                        <a:rPr lang="de-DE" dirty="0" smtClean="0"/>
+                        <a:t>Rechenzeit (Schätzung)</a:t>
+                      </a:r>
+                      <a:endParaRPr lang="de-DE" dirty="0"/>
+                    </a:p>
+                  </a:txBody>
+                  <a:tcPr/>
+                </a:tc>
+                <a:extLst>
+                  <a:ext uri="{0D108BD9-81ED-4DB2-BD59-A6C34878D82A}">
+                    <a16:rowId xmlns:a16="http://schemas.microsoft.com/office/drawing/2014/main" val="3891493599"/>
+                  </a:ext>
+                </a:extLst>
+              </a:tr>
+              <a:tr h="370840">
+                <a:tc>
+                  <a:txBody>
+                    <a:bodyPr/>
+                    <a:lstStyle/>
+                    <a:p>
+                      <a:r>
+                        <a:rPr lang="de-DE" dirty="0" smtClean="0"/>
+                        <a:t>Stoffprofil</a:t>
+                      </a:r>
+                      <a:r>
+                        <a:rPr lang="de-DE" baseline="0" dirty="0" smtClean="0"/>
+                        <a:t> eines Reaktors berechnen</a:t>
+                      </a:r>
+                      <a:endParaRPr lang="de-DE" dirty="0"/>
+                    </a:p>
+                  </a:txBody>
+                  <a:tcPr/>
+                </a:tc>
+                <a:tc>
+                  <a:txBody>
+                    <a:bodyPr/>
+                    <a:lstStyle/>
+                    <a:p>
+                      <a:r>
+                        <a:rPr lang="de-DE" dirty="0" smtClean="0"/>
+                        <a:t>0,1</a:t>
+                      </a:r>
+                      <a:r>
+                        <a:rPr lang="de-DE" baseline="0" dirty="0" smtClean="0"/>
+                        <a:t> – 0,2 s (gemessen, n = 1000)</a:t>
+                      </a:r>
+                    </a:p>
+                  </a:txBody>
+                  <a:tcPr/>
+                </a:tc>
+                <a:extLst>
+                  <a:ext uri="{0D108BD9-81ED-4DB2-BD59-A6C34878D82A}">
+                    <a16:rowId xmlns:a16="http://schemas.microsoft.com/office/drawing/2014/main" val="2353367914"/>
+                  </a:ext>
+                </a:extLst>
+              </a:tr>
+              <a:tr h="370840">
+                <a:tc>
+                  <a:txBody>
+                    <a:bodyPr/>
+                    <a:lstStyle/>
+                    <a:p>
+                      <a:r>
+                        <a:rPr lang="de-DE" dirty="0" err="1" smtClean="0"/>
+                        <a:t>Einkriterielle</a:t>
+                      </a:r>
+                      <a:r>
+                        <a:rPr lang="de-DE" dirty="0" smtClean="0"/>
+                        <a:t> Optimierung</a:t>
+                      </a:r>
+                      <a:endParaRPr lang="de-DE" dirty="0"/>
+                    </a:p>
+                  </a:txBody>
+                  <a:tcPr/>
+                </a:tc>
+                <a:tc>
+                  <a:txBody>
+                    <a:bodyPr/>
+                    <a:lstStyle/>
+                    <a:p>
+                      <a:r>
+                        <a:rPr lang="de-DE" dirty="0" smtClean="0"/>
+                        <a:t>20 s</a:t>
+                      </a:r>
+                    </a:p>
+                  </a:txBody>
+                  <a:tcPr/>
+                </a:tc>
+                <a:extLst>
+                  <a:ext uri="{0D108BD9-81ED-4DB2-BD59-A6C34878D82A}">
+                    <a16:rowId xmlns:a16="http://schemas.microsoft.com/office/drawing/2014/main" val="188523388"/>
+                  </a:ext>
+                </a:extLst>
+              </a:tr>
+              <a:tr h="370840">
+                <a:tc>
+                  <a:txBody>
+                    <a:bodyPr/>
+                    <a:lstStyle/>
+                    <a:p>
+                      <a:r>
+                        <a:rPr lang="de-DE" dirty="0" err="1" smtClean="0"/>
+                        <a:t>Multikriterielle</a:t>
+                      </a:r>
+                      <a:r>
+                        <a:rPr lang="de-DE" baseline="0" dirty="0" smtClean="0"/>
+                        <a:t> Optimierung</a:t>
+                      </a:r>
+                      <a:endParaRPr lang="de-DE" dirty="0"/>
+                    </a:p>
+                  </a:txBody>
+                  <a:tcPr/>
+                </a:tc>
+                <a:tc>
+                  <a:txBody>
+                    <a:bodyPr/>
+                    <a:lstStyle/>
+                    <a:p>
+                      <a:r>
+                        <a:rPr lang="de-DE" dirty="0" smtClean="0"/>
+                        <a:t>600</a:t>
+                      </a:r>
+                      <a:r>
+                        <a:rPr lang="de-DE" baseline="0" dirty="0" smtClean="0"/>
+                        <a:t> s</a:t>
+                      </a:r>
+                      <a:endParaRPr lang="de-DE" dirty="0"/>
+                    </a:p>
+                  </a:txBody>
+                  <a:tcPr/>
+                </a:tc>
+                <a:extLst>
+                  <a:ext uri="{0D108BD9-81ED-4DB2-BD59-A6C34878D82A}">
+                    <a16:rowId xmlns:a16="http://schemas.microsoft.com/office/drawing/2014/main" val="1305949395"/>
+                  </a:ext>
+                </a:extLst>
+              </a:tr>
+            </a:tbl>
+          </a:graphicData>
+        </a:graphic>
+      </p:graphicFrame>
+      <p:sp>
+        <p:nvSpPr>
+          <p:cNvPr id="5" name="Inhaltsplatzhalter 4"/>
+          <p:cNvSpPr>
+            <a:spLocks noGrp="1"/>
+          </p:cNvSpPr>
+          <p:nvPr>
+            <p:ph idx="12"/>
+          </p:nvPr>
+        </p:nvSpPr>
+        <p:spPr>
+          <a:xfrm>
+            <a:off x="760226" y="3175000"/>
+            <a:ext cx="10982535" cy="2639000"/>
+          </a:xfrm>
+        </p:spPr>
+        <p:txBody>
+          <a:bodyPr/>
+          <a:lstStyle/>
+          <a:p>
+            <a:pPr marL="285750" indent="-285750">
+              <a:buFont typeface="Arial" panose="020B0604020202020204" pitchFamily="34" charset="0"/>
+              <a:buChar char="•"/>
+            </a:pPr>
+            <a:r>
+              <a:rPr lang="de-DE" dirty="0" smtClean="0"/>
+              <a:t>Rechenzeiten noch klar optimierbar durch: </a:t>
+            </a:r>
+          </a:p>
+          <a:p>
+            <a:pPr marL="971550" lvl="1" indent="-285750"/>
+            <a:r>
+              <a:rPr lang="de-DE" dirty="0" smtClean="0"/>
+              <a:t>Parallelisierung</a:t>
+            </a:r>
+          </a:p>
+          <a:p>
+            <a:pPr marL="971550" lvl="1" indent="-285750"/>
+            <a:r>
+              <a:rPr lang="de-DE" dirty="0" smtClean="0"/>
+              <a:t>Optimierung im Code</a:t>
+            </a:r>
+          </a:p>
+          <a:p>
+            <a:pPr marL="971550" lvl="1" indent="-285750"/>
+            <a:r>
+              <a:rPr lang="de-DE" dirty="0" smtClean="0"/>
+              <a:t>Schreiben weniger Daten (vor allem Stoffprofile wenn nicht benötigt)</a:t>
+            </a:r>
+          </a:p>
+          <a:p>
+            <a:pPr marL="971550" lvl="1" indent="-285750"/>
+            <a:r>
+              <a:rPr lang="de-DE" dirty="0" smtClean="0"/>
+              <a:t>Weniger Simulationen bei </a:t>
+            </a:r>
+            <a:r>
+              <a:rPr lang="de-DE" dirty="0" err="1" smtClean="0"/>
+              <a:t>Multikriterieller</a:t>
+            </a:r>
+            <a:r>
+              <a:rPr lang="de-DE" dirty="0" smtClean="0"/>
+              <a:t> Optimierung</a:t>
+            </a:r>
+          </a:p>
+          <a:p>
+            <a:pPr marL="285750" indent="-285750">
+              <a:buFont typeface="Arial" panose="020B0604020202020204" pitchFamily="34" charset="0"/>
+              <a:buChar char="•"/>
+            </a:pPr>
+            <a:r>
+              <a:rPr lang="de-DE" dirty="0" smtClean="0"/>
+              <a:t>Für diese Anwendung ausreichend</a:t>
+            </a:r>
+          </a:p>
+          <a:p>
+            <a:pPr marL="285750" indent="-285750">
+              <a:buFont typeface="Arial" panose="020B0604020202020204" pitchFamily="34" charset="0"/>
+              <a:buChar char="•"/>
+            </a:pPr>
+            <a:r>
+              <a:rPr lang="de-DE" dirty="0" smtClean="0"/>
+              <a:t>Code gut skalierbar, daher evtl. besserer Code nötig </a:t>
+            </a:r>
+          </a:p>
+          <a:p>
+            <a:pPr marL="971550" lvl="1" indent="-285750"/>
+            <a:endParaRPr lang="de-DE" dirty="0"/>
+          </a:p>
+        </p:txBody>
+      </p:sp>
+    </p:spTree>
+    <p:extLst>
+      <p:ext uri="{BB962C8B-B14F-4D97-AF65-F5344CB8AC3E}">
+        <p14:creationId xmlns:p14="http://schemas.microsoft.com/office/powerpoint/2010/main" val="3997149859"/>
+      </p:ext>
+    </p:extLst>
+  </p:cSld>
+  <p:clrMapOvr>
+    <a:masterClrMapping/>
+  </p:clrMapOvr>
+  <p:timing>
+    <p:tnLst>
+      <p:par>
+        <p:cTn id="1" dur="indefinite" restart="never" nodeType="tmRoot"/>
+      </p:par>
+    </p:tnLst>
+  </p:timing>
+</p:sld>
+</file>
+
+<file path=ppt/slides/slide7.xml><?xml version="1.0" encoding="utf-8"?>
 <p:sld xmlns:a="http://schemas.openxmlformats.org/drawingml/2006/main" xmlns:r="http://schemas.openxmlformats.org/officeDocument/2006/relationships" xmlns:p="http://schemas.openxmlformats.org/presentationml/2006/main">
   <p:cSld>
     <p:spTree>

--- a/Belegaufgabe/Präsentation/Präsentation.pptx
+++ b/Belegaufgabe/Präsentation/Präsentation.pptx
@@ -163,7 +163,7 @@
 <file path=ppt/revisionInfo.xml><?xml version="1.0" encoding="utf-8"?>
 <p1510:revInfo xmlns:a="http://schemas.openxmlformats.org/drawingml/2006/main" xmlns:r="http://schemas.openxmlformats.org/officeDocument/2006/relationships" xmlns:p1510="http://schemas.microsoft.com/office/powerpoint/2015/10/main">
   <p1510:revLst>
-    <p1510:client id="{2A545DC4-4C77-4431-BB9B-C1CF6DA912ED}" v="36" dt="2025-11-16T21:45:15.630"/>
+    <p1510:client id="{41556B82-2027-4972-B6B3-55B9DBFB18D3}" v="18" dt="2026-02-12T15:57:51.620"/>
   </p1510:revLst>
 </p1510:revInfo>
 </file>
@@ -171,81 +171,50 @@
 <file path=ppt/changesInfos/changesInfo1.xml><?xml version="1.0" encoding="utf-8"?>
 <pc:chgInfo xmlns:a="http://schemas.openxmlformats.org/drawingml/2006/main" xmlns:r="http://schemas.openxmlformats.org/officeDocument/2006/relationships" xmlns:ac="http://schemas.microsoft.com/office/drawing/2013/main/command" xmlns:pc="http://schemas.microsoft.com/office/powerpoint/2013/main/command">
   <pc:docChgLst>
-    <pc:chgData name="Erik Domogalla" userId="5acd3f83243d5ceb" providerId="LiveId" clId="{479D7EBB-65EC-407B-8531-865139CA410A}"/>
-    <pc:docChg chg="undo custSel modSld sldOrd">
-      <pc:chgData name="Erik Domogalla" userId="5acd3f83243d5ceb" providerId="LiveId" clId="{479D7EBB-65EC-407B-8531-865139CA410A}" dt="2025-11-16T21:45:15.629" v="205" actId="1076"/>
+    <pc:chgData name="Erik Domogalla" userId="5acd3f83243d5ceb" providerId="LiveId" clId="{66A855BD-6316-4420-8C1E-DE415AE6F986}"/>
+    <pc:docChg chg="undo custSel modSld modMainMaster">
+      <pc:chgData name="Erik Domogalla" userId="5acd3f83243d5ceb" providerId="LiveId" clId="{66A855BD-6316-4420-8C1E-DE415AE6F986}" dt="2026-02-12T15:58:21.789" v="200" actId="1076"/>
       <pc:docMkLst>
         <pc:docMk/>
       </pc:docMkLst>
-      <pc:sldChg chg="modSp mod">
-        <pc:chgData name="Erik Domogalla" userId="5acd3f83243d5ceb" providerId="LiveId" clId="{479D7EBB-65EC-407B-8531-865139CA410A}" dt="2025-11-16T21:38:02.190" v="99" actId="20577"/>
+      <pc:sldChg chg="addSp modSp mod">
+        <pc:chgData name="Erik Domogalla" userId="5acd3f83243d5ceb" providerId="LiveId" clId="{66A855BD-6316-4420-8C1E-DE415AE6F986}" dt="2026-02-12T15:58:21.789" v="200" actId="1076"/>
         <pc:sldMkLst>
           <pc:docMk/>
-          <pc:sldMk cId="781985869" sldId="275"/>
+          <pc:sldMk cId="741997725" sldId="306"/>
         </pc:sldMkLst>
         <pc:spChg chg="mod">
-          <ac:chgData name="Erik Domogalla" userId="5acd3f83243d5ceb" providerId="LiveId" clId="{479D7EBB-65EC-407B-8531-865139CA410A}" dt="2025-11-16T21:38:02.190" v="99" actId="20577"/>
+          <ac:chgData name="Erik Domogalla" userId="5acd3f83243d5ceb" providerId="LiveId" clId="{66A855BD-6316-4420-8C1E-DE415AE6F986}" dt="2026-02-12T15:56:22.043" v="143" actId="1076"/>
           <ac:spMkLst>
             <pc:docMk/>
-            <pc:sldMk cId="781985869" sldId="275"/>
-            <ac:spMk id="2" creationId="{41947B4D-8B03-4338-A9FC-739D884FC8C8}"/>
+            <pc:sldMk cId="741997725" sldId="306"/>
+            <ac:spMk id="18" creationId="{00000000-0000-0000-0000-000000000000}"/>
           </ac:spMkLst>
         </pc:spChg>
-      </pc:sldChg>
-      <pc:sldChg chg="modSp mod">
-        <pc:chgData name="Erik Domogalla" userId="5acd3f83243d5ceb" providerId="LiveId" clId="{479D7EBB-65EC-407B-8531-865139CA410A}" dt="2025-11-16T21:33:19.875" v="93" actId="207"/>
-        <pc:sldMkLst>
-          <pc:docMk/>
-          <pc:sldMk cId="2047669503" sldId="294"/>
-        </pc:sldMkLst>
-        <pc:graphicFrameChg chg="modGraphic">
-          <ac:chgData name="Erik Domogalla" userId="5acd3f83243d5ceb" providerId="LiveId" clId="{479D7EBB-65EC-407B-8531-865139CA410A}" dt="2025-11-16T21:33:19.875" v="93" actId="207"/>
+        <pc:graphicFrameChg chg="add mod modGraphic">
+          <ac:chgData name="Erik Domogalla" userId="5acd3f83243d5ceb" providerId="LiveId" clId="{66A855BD-6316-4420-8C1E-DE415AE6F986}" dt="2026-02-12T15:58:21.789" v="200" actId="1076"/>
           <ac:graphicFrameMkLst>
             <pc:docMk/>
-            <pc:sldMk cId="2047669503" sldId="294"/>
-            <ac:graphicFrameMk id="6" creationId="{9C83E7EC-D646-A576-E9F7-1488D8D643CB}"/>
+            <pc:sldMk cId="741997725" sldId="306"/>
+            <ac:graphicFrameMk id="2" creationId="{F3264458-DA8A-691A-2BC8-8C5DA4CE5135}"/>
           </ac:graphicFrameMkLst>
         </pc:graphicFrameChg>
       </pc:sldChg>
-      <pc:sldChg chg="addSp delSp modSp mod ord">
-        <pc:chgData name="Erik Domogalla" userId="5acd3f83243d5ceb" providerId="LiveId" clId="{479D7EBB-65EC-407B-8531-865139CA410A}" dt="2025-11-16T21:45:15.629" v="205" actId="1076"/>
-        <pc:sldMkLst>
+      <pc:sldMasterChg chg="modSp mod">
+        <pc:chgData name="Erik Domogalla" userId="5acd3f83243d5ceb" providerId="LiveId" clId="{66A855BD-6316-4420-8C1E-DE415AE6F986}" dt="2026-02-12T15:33:40.265" v="81" actId="20577"/>
+        <pc:sldMasterMkLst>
           <pc:docMk/>
-          <pc:sldMk cId="2199223345" sldId="313"/>
-        </pc:sldMkLst>
-        <pc:spChg chg="add del mod">
-          <ac:chgData name="Erik Domogalla" userId="5acd3f83243d5ceb" providerId="LiveId" clId="{479D7EBB-65EC-407B-8531-865139CA410A}" dt="2025-11-16T21:45:05.501" v="202" actId="478"/>
+          <pc:sldMasterMk cId="2895392174" sldId="2147483648"/>
+        </pc:sldMasterMkLst>
+        <pc:spChg chg="mod">
+          <ac:chgData name="Erik Domogalla" userId="5acd3f83243d5ceb" providerId="LiveId" clId="{66A855BD-6316-4420-8C1E-DE415AE6F986}" dt="2026-02-12T15:33:40.265" v="81" actId="20577"/>
           <ac:spMkLst>
             <pc:docMk/>
-            <pc:sldMk cId="2199223345" sldId="313"/>
-            <ac:spMk id="3" creationId="{A4E468C9-AEF2-A7A3-7688-E86B0F262AFF}"/>
+            <pc:sldMasterMk cId="2895392174" sldId="2147483648"/>
+            <ac:spMk id="5" creationId="{EFA77748-C6C4-4817-BE47-EAF1BEA38A72}"/>
           </ac:spMkLst>
         </pc:spChg>
-        <pc:spChg chg="mod">
-          <ac:chgData name="Erik Domogalla" userId="5acd3f83243d5ceb" providerId="LiveId" clId="{479D7EBB-65EC-407B-8531-865139CA410A}" dt="2025-11-16T21:45:15.629" v="205" actId="1076"/>
-          <ac:spMkLst>
-            <pc:docMk/>
-            <pc:sldMk cId="2199223345" sldId="313"/>
-            <ac:spMk id="12" creationId="{44DA7525-CAAB-2E16-419F-DED1C02BC2AB}"/>
-          </ac:spMkLst>
-        </pc:spChg>
-        <pc:spChg chg="mod">
-          <ac:chgData name="Erik Domogalla" userId="5acd3f83243d5ceb" providerId="LiveId" clId="{479D7EBB-65EC-407B-8531-865139CA410A}" dt="2025-11-16T21:45:15.629" v="205" actId="1076"/>
-          <ac:spMkLst>
-            <pc:docMk/>
-            <pc:sldMk cId="2199223345" sldId="313"/>
-            <ac:spMk id="30" creationId="{3BA4E360-22AC-5AF3-DDA1-82DF6A1E0A50}"/>
-          </ac:spMkLst>
-        </pc:spChg>
-        <pc:picChg chg="mod">
-          <ac:chgData name="Erik Domogalla" userId="5acd3f83243d5ceb" providerId="LiveId" clId="{479D7EBB-65EC-407B-8531-865139CA410A}" dt="2025-11-16T21:45:15.629" v="205" actId="1076"/>
-          <ac:picMkLst>
-            <pc:docMk/>
-            <pc:sldMk cId="2199223345" sldId="313"/>
-            <ac:picMk id="2052" creationId="{60244789-E3E5-0EEC-410B-6A122E8FFA97}"/>
-          </ac:picMkLst>
-        </pc:picChg>
-      </pc:sldChg>
+      </pc:sldMasterChg>
     </pc:docChg>
   </pc:docChgLst>
 </pc:chgInfo>
@@ -333,7 +302,7 @@
           <a:p>
             <a:fld id="{89A2D55D-E9BC-4C36-B72D-B1213935B848}" type="datetimeFigureOut">
               <a:rPr lang="de-DE" smtClean="0"/>
-              <a:t>11.02.2026</a:t>
+              <a:t>12.02.2026</a:t>
             </a:fld>
             <a:endParaRPr lang="de-DE"/>
           </a:p>
@@ -1139,13 +1108,8 @@
           <a:p>
             <a:r>
               <a:rPr lang="de-DE" sz="1600" dirty="0"/>
-              <a:t>Erik </a:t>
-            </a:r>
-            <a:r>
-              <a:rPr lang="de-DE" sz="1600" dirty="0" smtClean="0"/>
-              <a:t>Domogalla</a:t>
-            </a:r>
-            <a:endParaRPr lang="de-DE" sz="1600" dirty="0"/>
+              <a:t>Erik Domogalla</a:t>
+            </a:r>
           </a:p>
         </p:txBody>
       </p:sp>
@@ -1231,7 +1195,7 @@
   <p:clrMapOvr>
     <a:overrideClrMapping bg1="lt1" tx1="dk1" bg2="lt2" tx2="dk2" accent1="accent1" accent2="accent2" accent3="accent3" accent4="accent4" accent5="accent5" accent6="accent6" hlink="hlink" folHlink="folHlink"/>
   </p:clrMapOvr>
-  <p:extLst mod="1">
+  <p:extLst>
     <p:ext uri="{DCECCB84-F9BA-43D5-87BE-67443E8EF086}">
       <p15:sldGuideLst xmlns:p15="http://schemas.microsoft.com/office/powerpoint/2012/main">
         <p15:guide id="1" orient="horz" pos="2160" userDrawn="1">
@@ -14025,7 +13989,7 @@
               <a:rPr lang="de-DE" dirty="0">
                 <a:latin typeface="+mn-lt"/>
               </a:rPr>
-              <a:t>Vergleich von Reaktornetzwerkmodellen für die nichtkatalytische Partialoxidation von Erdgas</a:t>
+              <a:t>Vorstellung Belegaufgabe Modellierung und Optimierung chemischer Reaktoren</a:t>
             </a:r>
           </a:p>
         </p:txBody>
@@ -15250,7 +15214,7 @@
           <a:lstStyle/>
           <a:p>
             <a:r>
-              <a:rPr lang="de-DE" sz="3200" dirty="0" smtClean="0"/>
+              <a:rPr lang="de-DE" sz="3200" dirty="0"/>
               <a:t>Modellierung und Optimierung chemischer Reaktoren</a:t>
             </a:r>
             <a:endParaRPr lang="de-DE" sz="3200" b="1" dirty="0"/>
@@ -15294,10 +15258,9 @@
               </a:spcBef>
             </a:pPr>
             <a:r>
-              <a:rPr lang="de-DE" dirty="0" smtClean="0"/>
+              <a:rPr lang="de-DE" dirty="0"/>
               <a:t>Präsentation der Belegaufgabe</a:t>
             </a:r>
-            <a:endParaRPr lang="de-DE" dirty="0"/>
           </a:p>
         </p:txBody>
       </p:sp>
@@ -15311,13 +15274,6 @@
   <p:clrMapOvr>
     <a:masterClrMapping/>
   </p:clrMapOvr>
-  <p:timing>
-    <p:tnLst>
-      <p:par>
-        <p:cTn id="1" dur="indefinite" restart="never" nodeType="tmRoot"/>
-      </p:par>
-    </p:tnLst>
-  </p:timing>
 </p:sld>
 </file>
 
@@ -15386,11 +15342,7 @@
           <a:p>
             <a:r>
               <a:rPr lang="de-DE" dirty="0"/>
-              <a:t>muss</a:t>
-            </a:r>
-            <a:r>
-              <a:rPr lang="de-DE" dirty="0" smtClean="0"/>
-              <a:t>.</a:t>
+              <a:t>muss.</a:t>
             </a:r>
           </a:p>
           <a:p>
@@ -15399,11 +15351,7 @@
           <a:p>
             <a:r>
               <a:rPr lang="de-DE" dirty="0"/>
-              <a:t>Das Reaktormodell ist als „Belegaufgabe-Reaktormodell.py“ gegeben</a:t>
-            </a:r>
-            <a:r>
-              <a:rPr lang="de-DE" dirty="0" smtClean="0"/>
-              <a:t>.</a:t>
+              <a:t>Das Reaktormodell ist als „Belegaufgabe-Reaktormodell.py“ gegeben.</a:t>
             </a:r>
           </a:p>
           <a:p>
@@ -15495,10 +15443,9 @@
           <a:lstStyle/>
           <a:p>
             <a:r>
-              <a:rPr lang="de-DE" dirty="0" smtClean="0"/>
+              <a:rPr lang="de-DE" dirty="0"/>
               <a:t>Aufgabenstellung</a:t>
             </a:r>
-            <a:endParaRPr lang="de-DE" dirty="0"/>
           </a:p>
         </p:txBody>
       </p:sp>
@@ -15512,13 +15459,6 @@
   <p:clrMapOvr>
     <a:masterClrMapping/>
   </p:clrMapOvr>
-  <p:timing>
-    <p:tnLst>
-      <p:par>
-        <p:cTn id="1" dur="indefinite" restart="never" nodeType="tmRoot"/>
-      </p:par>
-    </p:tnLst>
-  </p:timing>
 </p:sld>
 </file>
 
@@ -15555,10 +15495,9 @@
           <a:lstStyle/>
           <a:p>
             <a:r>
-              <a:rPr lang="de-DE" dirty="0" smtClean="0"/>
+              <a:rPr lang="de-DE" dirty="0"/>
               <a:t>Grundkonzept Reduziertes Modell</a:t>
             </a:r>
-            <a:endParaRPr lang="de-DE" dirty="0"/>
           </a:p>
         </p:txBody>
       </p:sp>
@@ -15653,10 +15592,9 @@
           <a:p>
             <a:pPr algn="ctr"/>
             <a:r>
-              <a:rPr lang="de-DE" dirty="0" smtClean="0"/>
+              <a:rPr lang="de-DE" dirty="0"/>
               <a:t>Klasse PFR</a:t>
             </a:r>
-            <a:endParaRPr lang="de-DE" dirty="0"/>
           </a:p>
         </p:txBody>
       </p:sp>
@@ -15707,14 +15645,13 @@
           <a:p>
             <a:pPr algn="ctr"/>
             <a:r>
-              <a:rPr lang="de-DE" dirty="0" err="1" smtClean="0"/>
+              <a:rPr lang="de-DE" dirty="0" err="1"/>
               <a:t>Simulate</a:t>
             </a:r>
             <a:r>
-              <a:rPr lang="de-DE" dirty="0" smtClean="0"/>
+              <a:rPr lang="de-DE" dirty="0"/>
               <a:t>()</a:t>
             </a:r>
-            <a:endParaRPr lang="de-DE" dirty="0"/>
           </a:p>
         </p:txBody>
       </p:sp>
@@ -15765,10 +15702,9 @@
           <a:p>
             <a:pPr algn="ctr"/>
             <a:r>
-              <a:rPr lang="de-DE" dirty="0" smtClean="0"/>
+              <a:rPr lang="de-DE" dirty="0"/>
               <a:t>Calc_CH4()</a:t>
             </a:r>
-            <a:endParaRPr lang="de-DE" dirty="0"/>
           </a:p>
         </p:txBody>
       </p:sp>
@@ -15906,14 +15842,13 @@
           <a:p>
             <a:pPr algn="ctr"/>
             <a:r>
-              <a:rPr lang="de-DE" dirty="0" err="1" smtClean="0"/>
+              <a:rPr lang="de-DE" dirty="0" err="1"/>
               <a:t>Einkriterielle</a:t>
             </a:r>
             <a:r>
-              <a:rPr lang="de-DE" dirty="0" smtClean="0"/>
+              <a:rPr lang="de-DE" dirty="0"/>
               <a:t> Optimierung</a:t>
             </a:r>
-            <a:endParaRPr lang="de-DE" dirty="0"/>
           </a:p>
         </p:txBody>
       </p:sp>
@@ -15965,14 +15900,13 @@
           <a:p>
             <a:pPr algn="ctr"/>
             <a:r>
-              <a:rPr lang="de-DE" dirty="0" err="1" smtClean="0"/>
+              <a:rPr lang="de-DE" dirty="0" err="1"/>
               <a:t>optimize</a:t>
             </a:r>
             <a:r>
-              <a:rPr lang="de-DE" dirty="0" smtClean="0"/>
+              <a:rPr lang="de-DE" dirty="0"/>
               <a:t>()</a:t>
             </a:r>
-            <a:endParaRPr lang="de-DE" dirty="0"/>
           </a:p>
         </p:txBody>
       </p:sp>
@@ -16024,8 +15958,8 @@
         </p:nvSpPr>
         <p:spPr>
           <a:xfrm>
-            <a:off x="1059938" y="1790699"/>
-            <a:ext cx="4212149" cy="3362325"/>
+            <a:off x="1059938" y="1790700"/>
+            <a:ext cx="4212149" cy="1899098"/>
           </a:xfrm>
         </p:spPr>
         <p:txBody>
@@ -16037,7 +15971,7 @@
               <a:buChar char="•"/>
             </a:pPr>
             <a:r>
-              <a:rPr lang="de-DE" dirty="0" smtClean="0"/>
+              <a:rPr lang="de-DE" dirty="0"/>
               <a:t>Auslagern der Simulation in Klasse </a:t>
             </a:r>
           </a:p>
@@ -16047,7 +15981,7 @@
               <a:buChar char="•"/>
             </a:pPr>
             <a:r>
-              <a:rPr lang="de-DE" dirty="0" smtClean="0"/>
+              <a:rPr lang="de-DE" dirty="0"/>
               <a:t>Klasse hat Unterfunktionen </a:t>
             </a:r>
           </a:p>
@@ -16057,39 +15991,600 @@
               <a:buChar char="•"/>
             </a:pPr>
             <a:r>
-              <a:rPr lang="de-DE" dirty="0" err="1" smtClean="0"/>
+              <a:rPr lang="de-DE" dirty="0" err="1"/>
               <a:t>Optimize</a:t>
             </a:r>
             <a:r>
-              <a:rPr lang="de-DE" dirty="0" smtClean="0"/>
+              <a:rPr lang="de-DE" dirty="0"/>
               <a:t> (</a:t>
             </a:r>
             <a:r>
-              <a:rPr lang="de-DE" dirty="0" err="1" smtClean="0"/>
+              <a:rPr lang="de-DE" dirty="0" err="1"/>
               <a:t>scipy</a:t>
             </a:r>
             <a:r>
-              <a:rPr lang="de-DE" dirty="0" smtClean="0"/>
+              <a:rPr lang="de-DE" dirty="0"/>
               <a:t>) optimiert Unterfunktion der Klasse </a:t>
             </a:r>
           </a:p>
           <a:p>
             <a:pPr marL="971550" lvl="1" indent="-285750"/>
             <a:r>
-              <a:rPr lang="de-DE" dirty="0" smtClean="0"/>
+              <a:rPr lang="de-DE" dirty="0"/>
               <a:t>Einfaches Optimierungsskript</a:t>
             </a:r>
           </a:p>
           <a:p>
             <a:pPr marL="971550" lvl="1" indent="-285750"/>
             <a:r>
-              <a:rPr lang="de-DE" dirty="0" smtClean="0"/>
+              <a:rPr lang="de-DE" dirty="0"/>
               <a:t>Gute Skalierung </a:t>
             </a:r>
-            <a:endParaRPr lang="de-DE" dirty="0"/>
           </a:p>
         </p:txBody>
       </p:sp>
+      <mc:AlternateContent xmlns:mc="http://schemas.openxmlformats.org/markup-compatibility/2006">
+        <mc:Choice xmlns:a14="http://schemas.microsoft.com/office/drawing/2010/main" Requires="a14">
+          <p:graphicFrame>
+            <p:nvGraphicFramePr>
+              <p:cNvPr id="2" name="Tabelle 1">
+                <a:extLst>
+                  <a:ext uri="{FF2B5EF4-FFF2-40B4-BE49-F238E27FC236}">
+                    <a16:creationId xmlns:a16="http://schemas.microsoft.com/office/drawing/2014/main" id="{F3264458-DA8A-691A-2BC8-8C5DA4CE5135}"/>
+                  </a:ext>
+                </a:extLst>
+              </p:cNvPr>
+              <p:cNvGraphicFramePr>
+                <a:graphicFrameLocks noGrp="1"/>
+              </p:cNvGraphicFramePr>
+              <p:nvPr>
+                <p:extLst>
+                  <p:ext uri="{D42A27DB-BD31-4B8C-83A1-F6EECF244321}">
+                    <p14:modId xmlns:p14="http://schemas.microsoft.com/office/powerpoint/2010/main" val="1912449983"/>
+                  </p:ext>
+                </p:extLst>
+              </p:nvPr>
+            </p:nvGraphicFramePr>
+            <p:xfrm>
+              <a:off x="1059938" y="3909431"/>
+              <a:ext cx="4666008" cy="1483360"/>
+            </p:xfrm>
+            <a:graphic>
+              <a:graphicData uri="http://schemas.openxmlformats.org/drawingml/2006/table">
+                <a:tbl>
+                  <a:tblPr firstRow="1" bandRow="1">
+                    <a:tableStyleId>{5C22544A-7EE6-4342-B048-85BDC9FD1C3A}</a:tableStyleId>
+                  </a:tblPr>
+                  <a:tblGrid>
+                    <a:gridCol w="1555336">
+                      <a:extLst>
+                        <a:ext uri="{9D8B030D-6E8A-4147-A177-3AD203B41FA5}">
+                          <a16:colId xmlns:a16="http://schemas.microsoft.com/office/drawing/2014/main" val="2845151786"/>
+                        </a:ext>
+                      </a:extLst>
+                    </a:gridCol>
+                    <a:gridCol w="1555336">
+                      <a:extLst>
+                        <a:ext uri="{9D8B030D-6E8A-4147-A177-3AD203B41FA5}">
+                          <a16:colId xmlns:a16="http://schemas.microsoft.com/office/drawing/2014/main" val="3657285514"/>
+                        </a:ext>
+                      </a:extLst>
+                    </a:gridCol>
+                    <a:gridCol w="1555336">
+                      <a:extLst>
+                        <a:ext uri="{9D8B030D-6E8A-4147-A177-3AD203B41FA5}">
+                          <a16:colId xmlns:a16="http://schemas.microsoft.com/office/drawing/2014/main" val="2664651334"/>
+                        </a:ext>
+                      </a:extLst>
+                    </a:gridCol>
+                  </a:tblGrid>
+                  <a:tr h="370840">
+                    <a:tc>
+                      <a:txBody>
+                        <a:bodyPr/>
+                        <a:lstStyle/>
+                        <a:p>
+                          <a:r>
+                            <a:rPr lang="de-DE" dirty="0"/>
+                            <a:t>Parameter</a:t>
+                          </a:r>
+                        </a:p>
+                      </a:txBody>
+                      <a:tcPr/>
+                    </a:tc>
+                    <a:tc>
+                      <a:txBody>
+                        <a:bodyPr/>
+                        <a:lstStyle/>
+                        <a:p>
+                          <a:r>
+                            <a:rPr lang="de-DE" dirty="0"/>
+                            <a:t>Min</a:t>
+                          </a:r>
+                        </a:p>
+                      </a:txBody>
+                      <a:tcPr/>
+                    </a:tc>
+                    <a:tc>
+                      <a:txBody>
+                        <a:bodyPr/>
+                        <a:lstStyle/>
+                        <a:p>
+                          <a:r>
+                            <a:rPr lang="de-DE" dirty="0"/>
+                            <a:t>Max</a:t>
+                          </a:r>
+                        </a:p>
+                      </a:txBody>
+                      <a:tcPr/>
+                    </a:tc>
+                    <a:extLst>
+                      <a:ext uri="{0D108BD9-81ED-4DB2-BD59-A6C34878D82A}">
+                        <a16:rowId xmlns:a16="http://schemas.microsoft.com/office/drawing/2014/main" val="2329928530"/>
+                      </a:ext>
+                    </a:extLst>
+                  </a:tr>
+                  <a:tr h="370840">
+                    <a:tc>
+                      <a:txBody>
+                        <a:bodyPr/>
+                        <a:lstStyle/>
+                        <a:p>
+                          <a:r>
+                            <a:rPr lang="de-DE" dirty="0"/>
+                            <a:t>Durchmesser</a:t>
+                          </a:r>
+                        </a:p>
+                      </a:txBody>
+                      <a:tcPr/>
+                    </a:tc>
+                    <a:tc>
+                      <a:txBody>
+                        <a:bodyPr/>
+                        <a:lstStyle/>
+                        <a:p>
+                          <a:r>
+                            <a:rPr lang="de-DE" dirty="0"/>
+                            <a:t>1 cm</a:t>
+                          </a:r>
+                        </a:p>
+                      </a:txBody>
+                      <a:tcPr/>
+                    </a:tc>
+                    <a:tc>
+                      <a:txBody>
+                        <a:bodyPr/>
+                        <a:lstStyle/>
+                        <a:p>
+                          <a:r>
+                            <a:rPr lang="de-DE" dirty="0"/>
+                            <a:t>3 cm</a:t>
+                          </a:r>
+                        </a:p>
+                      </a:txBody>
+                      <a:tcPr/>
+                    </a:tc>
+                    <a:extLst>
+                      <a:ext uri="{0D108BD9-81ED-4DB2-BD59-A6C34878D82A}">
+                        <a16:rowId xmlns:a16="http://schemas.microsoft.com/office/drawing/2014/main" val="1892281060"/>
+                      </a:ext>
+                    </a:extLst>
+                  </a:tr>
+                  <a:tr h="370840">
+                    <a:tc>
+                      <a:txBody>
+                        <a:bodyPr/>
+                        <a:lstStyle/>
+                        <a:p>
+                          <a:r>
+                            <a:rPr lang="de-DE" dirty="0"/>
+                            <a:t>Porosität</a:t>
+                          </a:r>
+                        </a:p>
+                      </a:txBody>
+                      <a:tcPr/>
+                    </a:tc>
+                    <a:tc>
+                      <a:txBody>
+                        <a:bodyPr/>
+                        <a:lstStyle/>
+                        <a:p>
+                          <a:r>
+                            <a:rPr lang="de-DE" dirty="0"/>
+                            <a:t>0,2</a:t>
+                          </a:r>
+                        </a:p>
+                      </a:txBody>
+                      <a:tcPr/>
+                    </a:tc>
+                    <a:tc>
+                      <a:txBody>
+                        <a:bodyPr/>
+                        <a:lstStyle/>
+                        <a:p>
+                          <a:r>
+                            <a:rPr lang="de-DE" dirty="0"/>
+                            <a:t>0,5</a:t>
+                          </a:r>
+                        </a:p>
+                      </a:txBody>
+                      <a:tcPr/>
+                    </a:tc>
+                    <a:extLst>
+                      <a:ext uri="{0D108BD9-81ED-4DB2-BD59-A6C34878D82A}">
+                        <a16:rowId xmlns:a16="http://schemas.microsoft.com/office/drawing/2014/main" val="2059198282"/>
+                      </a:ext>
+                    </a:extLst>
+                  </a:tr>
+                  <a:tr h="370840">
+                    <a:tc>
+                      <a:txBody>
+                        <a:bodyPr/>
+                        <a:lstStyle/>
+                        <a:p>
+                          <a:r>
+                            <a:rPr lang="de-DE" dirty="0"/>
+                            <a:t>Durchmesser</a:t>
+                          </a:r>
+                        </a:p>
+                      </a:txBody>
+                      <a:tcPr/>
+                    </a:tc>
+                    <a:tc>
+                      <a:txBody>
+                        <a:bodyPr/>
+                        <a:lstStyle/>
+                        <a:p>
+                          <a:r>
+                            <a:rPr lang="de-DE" dirty="0"/>
+                            <a:t>1000 </a:t>
+                          </a:r>
+                          <a14:m>
+                            <m:oMath xmlns:m="http://schemas.openxmlformats.org/officeDocument/2006/math">
+                              <m:sSup>
+                                <m:sSupPr>
+                                  <m:ctrlPr>
+                                    <a:rPr lang="de-DE" b="0" i="1" smtClean="0">
+                                      <a:latin typeface="Cambria Math" panose="02040503050406030204" pitchFamily="18" charset="0"/>
+                                    </a:rPr>
+                                  </m:ctrlPr>
+                                </m:sSupPr>
+                                <m:e>
+                                  <m:r>
+                                    <m:rPr>
+                                      <m:sty m:val="p"/>
+                                    </m:rPr>
+                                    <a:rPr lang="de-DE" b="0" i="1" smtClean="0">
+                                      <a:latin typeface="Cambria Math" panose="02040503050406030204" pitchFamily="18" charset="0"/>
+                                    </a:rPr>
+                                    <m:t>cm</m:t>
+                                  </m:r>
+                                </m:e>
+                                <m:sup>
+                                  <m:r>
+                                    <a:rPr lang="de-DE" b="0" i="1" smtClean="0">
+                                      <a:latin typeface="Cambria Math" panose="02040503050406030204" pitchFamily="18" charset="0"/>
+                                    </a:rPr>
+                                    <m:t>−1</m:t>
+                                  </m:r>
+                                </m:sup>
+                              </m:sSup>
+                            </m:oMath>
+                          </a14:m>
+                          <a:endParaRPr lang="de-DE" dirty="0"/>
+                        </a:p>
+                      </a:txBody>
+                      <a:tcPr/>
+                    </a:tc>
+                    <a:tc>
+                      <a:txBody>
+                        <a:bodyPr/>
+                        <a:lstStyle/>
+                        <a:p>
+                          <a:r>
+                            <a:rPr lang="de-DE" dirty="0"/>
+                            <a:t>2000 </a:t>
+                          </a:r>
+                          <a14:m>
+                            <m:oMath xmlns:m="http://schemas.openxmlformats.org/officeDocument/2006/math">
+                              <m:sSup>
+                                <m:sSupPr>
+                                  <m:ctrlPr>
+                                    <a:rPr lang="de-DE" b="0" i="1" smtClean="0">
+                                      <a:latin typeface="Cambria Math" panose="02040503050406030204" pitchFamily="18" charset="0"/>
+                                    </a:rPr>
+                                  </m:ctrlPr>
+                                </m:sSupPr>
+                                <m:e>
+                                  <m:r>
+                                    <m:rPr>
+                                      <m:sty m:val="p"/>
+                                    </m:rPr>
+                                    <a:rPr lang="de-DE" b="0" i="1" smtClean="0">
+                                      <a:latin typeface="Cambria Math" panose="02040503050406030204" pitchFamily="18" charset="0"/>
+                                    </a:rPr>
+                                    <m:t>cm</m:t>
+                                  </m:r>
+                                </m:e>
+                                <m:sup>
+                                  <m:r>
+                                    <a:rPr lang="de-DE" b="0" i="1" smtClean="0">
+                                      <a:latin typeface="Cambria Math" panose="02040503050406030204" pitchFamily="18" charset="0"/>
+                                    </a:rPr>
+                                    <m:t>-1</m:t>
+                                  </m:r>
+                                </m:sup>
+                              </m:sSup>
+                            </m:oMath>
+                          </a14:m>
+                          <a:endParaRPr lang="de-DE" dirty="0"/>
+                        </a:p>
+                      </a:txBody>
+                      <a:tcPr/>
+                    </a:tc>
+                    <a:extLst>
+                      <a:ext uri="{0D108BD9-81ED-4DB2-BD59-A6C34878D82A}">
+                        <a16:rowId xmlns:a16="http://schemas.microsoft.com/office/drawing/2014/main" val="1242408904"/>
+                      </a:ext>
+                    </a:extLst>
+                  </a:tr>
+                </a:tbl>
+              </a:graphicData>
+            </a:graphic>
+          </p:graphicFrame>
+        </mc:Choice>
+        <mc:Fallback>
+          <p:graphicFrame>
+            <p:nvGraphicFramePr>
+              <p:cNvPr id="2" name="Tabelle 1">
+                <a:extLst>
+                  <a:ext uri="{FF2B5EF4-FFF2-40B4-BE49-F238E27FC236}">
+                    <a16:creationId xmlns:a16="http://schemas.microsoft.com/office/drawing/2014/main" id="{F3264458-DA8A-691A-2BC8-8C5DA4CE5135}"/>
+                  </a:ext>
+                </a:extLst>
+              </p:cNvPr>
+              <p:cNvGraphicFramePr>
+                <a:graphicFrameLocks noGrp="1"/>
+              </p:cNvGraphicFramePr>
+              <p:nvPr>
+                <p:extLst>
+                  <p:ext uri="{D42A27DB-BD31-4B8C-83A1-F6EECF244321}">
+                    <p14:modId xmlns:p14="http://schemas.microsoft.com/office/powerpoint/2010/main" val="1912449983"/>
+                  </p:ext>
+                </p:extLst>
+              </p:nvPr>
+            </p:nvGraphicFramePr>
+            <p:xfrm>
+              <a:off x="1059938" y="3909431"/>
+              <a:ext cx="4666008" cy="1483360"/>
+            </p:xfrm>
+            <a:graphic>
+              <a:graphicData uri="http://schemas.openxmlformats.org/drawingml/2006/table">
+                <a:tbl>
+                  <a:tblPr firstRow="1" bandRow="1">
+                    <a:tableStyleId>{5C22544A-7EE6-4342-B048-85BDC9FD1C3A}</a:tableStyleId>
+                  </a:tblPr>
+                  <a:tblGrid>
+                    <a:gridCol w="1555336">
+                      <a:extLst>
+                        <a:ext uri="{9D8B030D-6E8A-4147-A177-3AD203B41FA5}">
+                          <a16:colId xmlns:a16="http://schemas.microsoft.com/office/drawing/2014/main" val="2845151786"/>
+                        </a:ext>
+                      </a:extLst>
+                    </a:gridCol>
+                    <a:gridCol w="1555336">
+                      <a:extLst>
+                        <a:ext uri="{9D8B030D-6E8A-4147-A177-3AD203B41FA5}">
+                          <a16:colId xmlns:a16="http://schemas.microsoft.com/office/drawing/2014/main" val="3657285514"/>
+                        </a:ext>
+                      </a:extLst>
+                    </a:gridCol>
+                    <a:gridCol w="1555336">
+                      <a:extLst>
+                        <a:ext uri="{9D8B030D-6E8A-4147-A177-3AD203B41FA5}">
+                          <a16:colId xmlns:a16="http://schemas.microsoft.com/office/drawing/2014/main" val="2664651334"/>
+                        </a:ext>
+                      </a:extLst>
+                    </a:gridCol>
+                  </a:tblGrid>
+                  <a:tr h="370840">
+                    <a:tc>
+                      <a:txBody>
+                        <a:bodyPr/>
+                        <a:lstStyle/>
+                        <a:p>
+                          <a:r>
+                            <a:rPr lang="de-DE" dirty="0"/>
+                            <a:t>Parameter</a:t>
+                          </a:r>
+                        </a:p>
+                      </a:txBody>
+                      <a:tcPr/>
+                    </a:tc>
+                    <a:tc>
+                      <a:txBody>
+                        <a:bodyPr/>
+                        <a:lstStyle/>
+                        <a:p>
+                          <a:r>
+                            <a:rPr lang="de-DE" dirty="0"/>
+                            <a:t>Min</a:t>
+                          </a:r>
+                        </a:p>
+                      </a:txBody>
+                      <a:tcPr/>
+                    </a:tc>
+                    <a:tc>
+                      <a:txBody>
+                        <a:bodyPr/>
+                        <a:lstStyle/>
+                        <a:p>
+                          <a:r>
+                            <a:rPr lang="de-DE" dirty="0"/>
+                            <a:t>Max</a:t>
+                          </a:r>
+                        </a:p>
+                      </a:txBody>
+                      <a:tcPr/>
+                    </a:tc>
+                    <a:extLst>
+                      <a:ext uri="{0D108BD9-81ED-4DB2-BD59-A6C34878D82A}">
+                        <a16:rowId xmlns:a16="http://schemas.microsoft.com/office/drawing/2014/main" val="2329928530"/>
+                      </a:ext>
+                    </a:extLst>
+                  </a:tr>
+                  <a:tr h="370840">
+                    <a:tc>
+                      <a:txBody>
+                        <a:bodyPr/>
+                        <a:lstStyle/>
+                        <a:p>
+                          <a:r>
+                            <a:rPr lang="de-DE" dirty="0"/>
+                            <a:t>Durchmesser</a:t>
+                          </a:r>
+                        </a:p>
+                      </a:txBody>
+                      <a:tcPr/>
+                    </a:tc>
+                    <a:tc>
+                      <a:txBody>
+                        <a:bodyPr/>
+                        <a:lstStyle/>
+                        <a:p>
+                          <a:r>
+                            <a:rPr lang="de-DE" dirty="0"/>
+                            <a:t>1 cm</a:t>
+                          </a:r>
+                        </a:p>
+                      </a:txBody>
+                      <a:tcPr/>
+                    </a:tc>
+                    <a:tc>
+                      <a:txBody>
+                        <a:bodyPr/>
+                        <a:lstStyle/>
+                        <a:p>
+                          <a:r>
+                            <a:rPr lang="de-DE" dirty="0"/>
+                            <a:t>3 cm</a:t>
+                          </a:r>
+                        </a:p>
+                      </a:txBody>
+                      <a:tcPr/>
+                    </a:tc>
+                    <a:extLst>
+                      <a:ext uri="{0D108BD9-81ED-4DB2-BD59-A6C34878D82A}">
+                        <a16:rowId xmlns:a16="http://schemas.microsoft.com/office/drawing/2014/main" val="1892281060"/>
+                      </a:ext>
+                    </a:extLst>
+                  </a:tr>
+                  <a:tr h="370840">
+                    <a:tc>
+                      <a:txBody>
+                        <a:bodyPr/>
+                        <a:lstStyle/>
+                        <a:p>
+                          <a:r>
+                            <a:rPr lang="de-DE" dirty="0"/>
+                            <a:t>Porosität</a:t>
+                          </a:r>
+                        </a:p>
+                      </a:txBody>
+                      <a:tcPr/>
+                    </a:tc>
+                    <a:tc>
+                      <a:txBody>
+                        <a:bodyPr/>
+                        <a:lstStyle/>
+                        <a:p>
+                          <a:r>
+                            <a:rPr lang="de-DE" dirty="0"/>
+                            <a:t>0,2</a:t>
+                          </a:r>
+                        </a:p>
+                      </a:txBody>
+                      <a:tcPr/>
+                    </a:tc>
+                    <a:tc>
+                      <a:txBody>
+                        <a:bodyPr/>
+                        <a:lstStyle/>
+                        <a:p>
+                          <a:r>
+                            <a:rPr lang="de-DE" dirty="0"/>
+                            <a:t>0,5</a:t>
+                          </a:r>
+                        </a:p>
+                      </a:txBody>
+                      <a:tcPr/>
+                    </a:tc>
+                    <a:extLst>
+                      <a:ext uri="{0D108BD9-81ED-4DB2-BD59-A6C34878D82A}">
+                        <a16:rowId xmlns:a16="http://schemas.microsoft.com/office/drawing/2014/main" val="2059198282"/>
+                      </a:ext>
+                    </a:extLst>
+                  </a:tr>
+                  <a:tr h="370840">
+                    <a:tc>
+                      <a:txBody>
+                        <a:bodyPr/>
+                        <a:lstStyle/>
+                        <a:p>
+                          <a:r>
+                            <a:rPr lang="de-DE" dirty="0"/>
+                            <a:t>Durchmesser</a:t>
+                          </a:r>
+                        </a:p>
+                      </a:txBody>
+                      <a:tcPr/>
+                    </a:tc>
+                    <a:tc>
+                      <a:txBody>
+                        <a:bodyPr/>
+                        <a:lstStyle/>
+                        <a:p>
+                          <a:endParaRPr lang="de-DE"/>
+                        </a:p>
+                      </a:txBody>
+                      <a:tcPr>
+                        <a:blipFill>
+                          <a:blip r:embed="rId2"/>
+                          <a:stretch>
+                            <a:fillRect l="-100784" t="-308197" r="-101961" b="-24590"/>
+                          </a:stretch>
+                        </a:blipFill>
+                      </a:tcPr>
+                    </a:tc>
+                    <a:tc>
+                      <a:txBody>
+                        <a:bodyPr/>
+                        <a:lstStyle/>
+                        <a:p>
+                          <a:endParaRPr lang="de-DE"/>
+                        </a:p>
+                      </a:txBody>
+                      <a:tcPr>
+                        <a:blipFill>
+                          <a:blip r:embed="rId2"/>
+                          <a:stretch>
+                            <a:fillRect l="-200000" t="-308197" r="-1563" b="-24590"/>
+                          </a:stretch>
+                        </a:blipFill>
+                      </a:tcPr>
+                    </a:tc>
+                    <a:extLst>
+                      <a:ext uri="{0D108BD9-81ED-4DB2-BD59-A6C34878D82A}">
+                        <a16:rowId xmlns:a16="http://schemas.microsoft.com/office/drawing/2014/main" val="1242408904"/>
+                      </a:ext>
+                    </a:extLst>
+                  </a:tr>
+                </a:tbl>
+              </a:graphicData>
+            </a:graphic>
+          </p:graphicFrame>
+        </mc:Fallback>
+      </mc:AlternateContent>
     </p:spTree>
     <p:extLst>
       <p:ext uri="{BB962C8B-B14F-4D97-AF65-F5344CB8AC3E}">
@@ -16100,13 +16595,6 @@
   <p:clrMapOvr>
     <a:masterClrMapping/>
   </p:clrMapOvr>
-  <p:timing>
-    <p:tnLst>
-      <p:par>
-        <p:cTn id="1" dur="indefinite" restart="never" nodeType="tmRoot"/>
-      </p:par>
-    </p:tnLst>
-  </p:timing>
 </p:sld>
 </file>
 
@@ -16143,18 +16631,17 @@
           <a:lstStyle/>
           <a:p>
             <a:r>
-              <a:rPr lang="de-DE" dirty="0" smtClean="0"/>
+              <a:rPr lang="de-DE" dirty="0"/>
               <a:t>Ergebnisse </a:t>
             </a:r>
             <a:r>
-              <a:rPr lang="de-DE" dirty="0" err="1" smtClean="0"/>
+              <a:rPr lang="de-DE" dirty="0" err="1"/>
               <a:t>einkriterielle</a:t>
             </a:r>
             <a:r>
-              <a:rPr lang="de-DE" dirty="0" smtClean="0"/>
+              <a:rPr lang="de-DE" dirty="0"/>
               <a:t> Optimierung</a:t>
             </a:r>
-            <a:endParaRPr lang="de-DE" dirty="0"/>
           </a:p>
         </p:txBody>
       </p:sp>
@@ -16183,7 +16670,7 @@
               <a:buChar char="•"/>
             </a:pPr>
             <a:r>
-              <a:rPr lang="de-DE" dirty="0" smtClean="0"/>
+              <a:rPr lang="de-DE" dirty="0"/>
               <a:t>Ziel: Optimierung des Methanumsatzes bei gegebenen Grenzen (A/V, Durchmesser, Porosität)</a:t>
             </a:r>
           </a:p>
@@ -16193,11 +16680,11 @@
               <a:buChar char="•"/>
             </a:pPr>
             <a:r>
-              <a:rPr lang="de-DE" dirty="0" err="1" smtClean="0"/>
+              <a:rPr lang="de-DE" dirty="0" err="1"/>
               <a:t>Einkriterielle</a:t>
             </a:r>
             <a:r>
-              <a:rPr lang="de-DE" dirty="0" smtClean="0"/>
+              <a:rPr lang="de-DE" dirty="0"/>
               <a:t> Optimierung </a:t>
             </a:r>
           </a:p>
@@ -16207,15 +16694,15 @@
               <a:buChar char="•"/>
             </a:pPr>
             <a:r>
-              <a:rPr lang="de-DE" dirty="0" smtClean="0"/>
+              <a:rPr lang="de-DE" dirty="0"/>
               <a:t>Stochastischer Algorithmus (</a:t>
             </a:r>
             <a:r>
-              <a:rPr lang="de-DE" dirty="0" err="1" smtClean="0"/>
+              <a:rPr lang="de-DE" dirty="0" err="1"/>
               <a:t>optimize.differential_evolution</a:t>
             </a:r>
             <a:r>
-              <a:rPr lang="de-DE" dirty="0" smtClean="0"/>
+              <a:rPr lang="de-DE" dirty="0"/>
               <a:t>)</a:t>
             </a:r>
           </a:p>
@@ -16224,7 +16711,7 @@
               <a:buFont typeface="Arial" panose="020B0604020202020204" pitchFamily="34" charset="0"/>
               <a:buChar char="•"/>
             </a:pPr>
-            <a:endParaRPr lang="pt-BR" dirty="0" smtClean="0"/>
+            <a:endParaRPr lang="pt-BR" dirty="0"/>
           </a:p>
           <a:p>
             <a:pPr marL="285750" indent="-285750">
@@ -16232,12 +16719,8 @@
               <a:buChar char="•"/>
             </a:pPr>
             <a:r>
-              <a:rPr lang="pt-BR" dirty="0" smtClean="0"/>
-              <a:t>CH4 </a:t>
-            </a:r>
-            <a:r>
               <a:rPr lang="pt-BR" dirty="0"/>
-              <a:t>= 0.010822</a:t>
+              <a:t>CH4 = 0.010822</a:t>
             </a:r>
           </a:p>
           <a:p>
@@ -16279,7 +16762,7 @@
               <a:rPr lang="pt-BR" dirty="0"/>
               <a:t>n_CSTR = 201</a:t>
             </a:r>
-            <a:endParaRPr lang="de-DE" dirty="0" smtClean="0"/>
+            <a:endParaRPr lang="de-DE" dirty="0"/>
           </a:p>
           <a:p>
             <a:pPr marL="285750" indent="-285750">
@@ -16324,13 +16807,6 @@
   <p:clrMapOvr>
     <a:masterClrMapping/>
   </p:clrMapOvr>
-  <p:timing>
-    <p:tnLst>
-      <p:par>
-        <p:cTn id="1" dur="indefinite" restart="never" nodeType="tmRoot"/>
-      </p:par>
-    </p:tnLst>
-  </p:timing>
 </p:sld>
 </file>
 
@@ -16367,14 +16843,13 @@
           <a:lstStyle/>
           <a:p>
             <a:r>
-              <a:rPr lang="de-DE" dirty="0" err="1" smtClean="0"/>
+              <a:rPr lang="de-DE" dirty="0" err="1"/>
               <a:t>Multikriterielle</a:t>
             </a:r>
             <a:r>
-              <a:rPr lang="de-DE" dirty="0" smtClean="0"/>
+              <a:rPr lang="de-DE" dirty="0"/>
               <a:t> Optimierung </a:t>
             </a:r>
-            <a:endParaRPr lang="de-DE" dirty="0"/>
           </a:p>
         </p:txBody>
       </p:sp>
@@ -16403,7 +16878,7 @@
               <a:buChar char="•"/>
             </a:pPr>
             <a:r>
-              <a:rPr lang="de-DE" dirty="0" smtClean="0"/>
+              <a:rPr lang="de-DE" dirty="0"/>
               <a:t>Optimierung Methanumsatz und gleichzeitig Katalysatorvolumen </a:t>
             </a:r>
           </a:p>
@@ -16413,14 +16888,14 @@
               <a:buChar char="•"/>
             </a:pPr>
             <a:r>
-              <a:rPr lang="de-DE" dirty="0" smtClean="0"/>
+              <a:rPr lang="de-DE" dirty="0"/>
               <a:t>Viel Katalysatorvolumen: hoher Umsatz</a:t>
             </a:r>
           </a:p>
           <a:p>
             <a:pPr marL="971550" lvl="1" indent="-285750"/>
             <a:r>
-              <a:rPr lang="de-DE" dirty="0" smtClean="0"/>
+              <a:rPr lang="de-DE" dirty="0"/>
               <a:t>Konkurrierende Größen </a:t>
             </a:r>
           </a:p>
@@ -16455,11 +16930,7 @@
             </a:r>
             <a:r>
               <a:rPr lang="de-DE" dirty="0"/>
-              <a:t> in </a:t>
-            </a:r>
-            <a:r>
-              <a:rPr lang="de-DE" dirty="0" smtClean="0"/>
-              <a:t>Python)</a:t>
+              <a:t> in Python)</a:t>
             </a:r>
           </a:p>
           <a:p>
@@ -16475,7 +16946,7 @@
               <a:buChar char="•"/>
             </a:pPr>
             <a:r>
-              <a:rPr lang="de-DE" dirty="0" smtClean="0"/>
+              <a:rPr lang="de-DE" dirty="0"/>
               <a:t>50 Simulationen pro Evolutionsschritt</a:t>
             </a:r>
           </a:p>
@@ -16485,7 +16956,7 @@
               <a:buChar char="•"/>
             </a:pPr>
             <a:r>
-              <a:rPr lang="de-DE" dirty="0" smtClean="0"/>
+              <a:rPr lang="de-DE" dirty="0"/>
               <a:t>50 Evolutionsschritte </a:t>
             </a:r>
           </a:p>
@@ -16495,7 +16966,7 @@
               <a:buChar char="•"/>
             </a:pPr>
             <a:r>
-              <a:rPr lang="de-DE" dirty="0" smtClean="0"/>
+              <a:rPr lang="de-DE" dirty="0"/>
               <a:t>= 2500 Simulationen</a:t>
             </a:r>
           </a:p>
@@ -16505,10 +16976,9 @@
               <a:buChar char="•"/>
             </a:pPr>
             <a:r>
-              <a:rPr lang="de-DE" dirty="0" smtClean="0"/>
+              <a:rPr lang="de-DE" dirty="0"/>
               <a:t>Pareto Front klar erkennbar </a:t>
             </a:r>
-            <a:endParaRPr lang="de-DE" dirty="0"/>
           </a:p>
         </p:txBody>
       </p:sp>
@@ -16546,13 +17016,6 @@
   <p:clrMapOvr>
     <a:masterClrMapping/>
   </p:clrMapOvr>
-  <p:timing>
-    <p:tnLst>
-      <p:par>
-        <p:cTn id="1" dur="indefinite" restart="never" nodeType="tmRoot"/>
-      </p:par>
-    </p:tnLst>
-  </p:timing>
 </p:sld>
 </file>
 
@@ -16589,10 +17052,9 @@
           <a:lstStyle/>
           <a:p>
             <a:r>
-              <a:rPr lang="de-DE" dirty="0" smtClean="0"/>
+              <a:rPr lang="de-DE" dirty="0"/>
               <a:t>Rechenzeiten</a:t>
             </a:r>
-            <a:endParaRPr lang="de-DE" dirty="0"/>
           </a:p>
         </p:txBody>
       </p:sp>
@@ -16643,10 +17105,9 @@
                     <a:lstStyle/>
                     <a:p>
                       <a:r>
-                        <a:rPr lang="de-DE" dirty="0" smtClean="0"/>
+                        <a:rPr lang="de-DE" dirty="0"/>
                         <a:t>Aufgabe</a:t>
                       </a:r>
-                      <a:endParaRPr lang="de-DE" dirty="0"/>
                     </a:p>
                   </a:txBody>
                   <a:tcPr/>
@@ -16657,10 +17118,9 @@
                     <a:lstStyle/>
                     <a:p>
                       <a:r>
-                        <a:rPr lang="de-DE" dirty="0" smtClean="0"/>
+                        <a:rPr lang="de-DE" dirty="0"/>
                         <a:t>Rechenzeit (Schätzung)</a:t>
                       </a:r>
-                      <a:endParaRPr lang="de-DE" dirty="0"/>
                     </a:p>
                   </a:txBody>
                   <a:tcPr/>
@@ -16678,11 +17138,11 @@
                     <a:lstStyle/>
                     <a:p>
                       <a:r>
-                        <a:rPr lang="de-DE" dirty="0" smtClean="0"/>
+                        <a:rPr lang="de-DE" dirty="0"/>
                         <a:t>Stoffprofil</a:t>
                       </a:r>
                       <a:r>
-                        <a:rPr lang="de-DE" baseline="0" dirty="0" smtClean="0"/>
+                        <a:rPr lang="de-DE" baseline="0" dirty="0"/>
                         <a:t> eines Reaktors berechnen</a:t>
                       </a:r>
                       <a:endParaRPr lang="de-DE" dirty="0"/>
@@ -16696,11 +17156,11 @@
                     <a:lstStyle/>
                     <a:p>
                       <a:r>
-                        <a:rPr lang="de-DE" dirty="0" smtClean="0"/>
+                        <a:rPr lang="de-DE" dirty="0"/>
                         <a:t>0,1</a:t>
                       </a:r>
                       <a:r>
-                        <a:rPr lang="de-DE" baseline="0" dirty="0" smtClean="0"/>
+                        <a:rPr lang="de-DE" baseline="0" dirty="0"/>
                         <a:t> – 0,2 s (gemessen, n = 1000)</a:t>
                       </a:r>
                     </a:p>
@@ -16720,14 +17180,13 @@
                     <a:lstStyle/>
                     <a:p>
                       <a:r>
-                        <a:rPr lang="de-DE" dirty="0" err="1" smtClean="0"/>
+                        <a:rPr lang="de-DE" dirty="0" err="1"/>
                         <a:t>Einkriterielle</a:t>
                       </a:r>
                       <a:r>
-                        <a:rPr lang="de-DE" dirty="0" smtClean="0"/>
+                        <a:rPr lang="de-DE" dirty="0"/>
                         <a:t> Optimierung</a:t>
                       </a:r>
-                      <a:endParaRPr lang="de-DE" dirty="0"/>
                     </a:p>
                   </a:txBody>
                   <a:tcPr/>
@@ -16738,7 +17197,7 @@
                     <a:lstStyle/>
                     <a:p>
                       <a:r>
-                        <a:rPr lang="de-DE" dirty="0" smtClean="0"/>
+                        <a:rPr lang="de-DE" dirty="0"/>
                         <a:t>20 s</a:t>
                       </a:r>
                     </a:p>
@@ -16758,11 +17217,11 @@
                     <a:lstStyle/>
                     <a:p>
                       <a:r>
-                        <a:rPr lang="de-DE" dirty="0" err="1" smtClean="0"/>
+                        <a:rPr lang="de-DE" dirty="0" err="1"/>
                         <a:t>Multikriterielle</a:t>
                       </a:r>
                       <a:r>
-                        <a:rPr lang="de-DE" baseline="0" dirty="0" smtClean="0"/>
+                        <a:rPr lang="de-DE" baseline="0" dirty="0"/>
                         <a:t> Optimierung</a:t>
                       </a:r>
                       <a:endParaRPr lang="de-DE" dirty="0"/>
@@ -16776,11 +17235,11 @@
                     <a:lstStyle/>
                     <a:p>
                       <a:r>
-                        <a:rPr lang="de-DE" dirty="0" smtClean="0"/>
+                        <a:rPr lang="de-DE" dirty="0"/>
                         <a:t>600</a:t>
                       </a:r>
                       <a:r>
-                        <a:rPr lang="de-DE" baseline="0" dirty="0" smtClean="0"/>
+                        <a:rPr lang="de-DE" baseline="0" dirty="0"/>
                         <a:t> s</a:t>
                       </a:r>
                       <a:endParaRPr lang="de-DE" dirty="0"/>
@@ -16823,43 +17282,43 @@
               <a:buChar char="•"/>
             </a:pPr>
             <a:r>
-              <a:rPr lang="de-DE" dirty="0" smtClean="0"/>
+              <a:rPr lang="de-DE" dirty="0"/>
               <a:t>Rechenzeiten noch klar optimierbar durch: </a:t>
             </a:r>
           </a:p>
           <a:p>
             <a:pPr marL="971550" lvl="1" indent="-285750"/>
             <a:r>
-              <a:rPr lang="de-DE" dirty="0" smtClean="0"/>
+              <a:rPr lang="de-DE" dirty="0"/>
               <a:t>Parallelisierung</a:t>
             </a:r>
           </a:p>
           <a:p>
             <a:pPr marL="971550" lvl="1" indent="-285750"/>
             <a:r>
-              <a:rPr lang="de-DE" dirty="0" smtClean="0"/>
+              <a:rPr lang="de-DE" dirty="0"/>
               <a:t>Optimierung im Code</a:t>
             </a:r>
           </a:p>
           <a:p>
             <a:pPr marL="971550" lvl="1" indent="-285750"/>
             <a:r>
-              <a:rPr lang="de-DE" dirty="0" smtClean="0"/>
+              <a:rPr lang="de-DE" dirty="0"/>
               <a:t>Schreiben weniger Daten (vor allem Stoffprofile wenn nicht benötigt)</a:t>
             </a:r>
           </a:p>
           <a:p>
             <a:pPr marL="971550" lvl="1" indent="-285750"/>
             <a:r>
-              <a:rPr lang="de-DE" dirty="0" smtClean="0"/>
+              <a:rPr lang="de-DE" dirty="0"/>
               <a:t>Weniger Simulationen bei </a:t>
             </a:r>
             <a:r>
-              <a:rPr lang="de-DE" dirty="0" err="1" smtClean="0"/>
+              <a:rPr lang="de-DE" dirty="0" err="1"/>
               <a:t>Multikriterieller</a:t>
             </a:r>
             <a:r>
-              <a:rPr lang="de-DE" dirty="0" smtClean="0"/>
+              <a:rPr lang="de-DE" dirty="0"/>
               <a:t> Optimierung</a:t>
             </a:r>
           </a:p>
@@ -16869,7 +17328,7 @@
               <a:buChar char="•"/>
             </a:pPr>
             <a:r>
-              <a:rPr lang="de-DE" dirty="0" smtClean="0"/>
+              <a:rPr lang="de-DE" dirty="0"/>
               <a:t>Für diese Anwendung ausreichend</a:t>
             </a:r>
           </a:p>
@@ -16879,7 +17338,7 @@
               <a:buChar char="•"/>
             </a:pPr>
             <a:r>
-              <a:rPr lang="de-DE" dirty="0" smtClean="0"/>
+              <a:rPr lang="de-DE" dirty="0"/>
               <a:t>Code gut skalierbar, daher evtl. besserer Code nötig </a:t>
             </a:r>
           </a:p>
@@ -16899,13 +17358,6 @@
   <p:clrMapOvr>
     <a:masterClrMapping/>
   </p:clrMapOvr>
-  <p:timing>
-    <p:tnLst>
-      <p:par>
-        <p:cTn id="1" dur="indefinite" restart="never" nodeType="tmRoot"/>
-      </p:par>
-    </p:tnLst>
-  </p:timing>
 </p:sld>
 </file>
 
@@ -16936,13 +17388,6 @@
   <p:clrMapOvr>
     <a:masterClrMapping/>
   </p:clrMapOvr>
-  <p:timing>
-    <p:tnLst>
-      <p:par>
-        <p:cTn id="1" dur="indefinite" restart="never" nodeType="tmRoot"/>
-      </p:par>
-    </p:tnLst>
-  </p:timing>
 </p:sld>
 </file>
 
